--- a/session-5-pyblp/Session 5 - PyBLP.pptx
+++ b/session-5-pyblp/Session 5 - PyBLP.pptx
@@ -14492,7 +14492,7 @@
         </p:nvSpPr>
         <p:spPr>
           <a:xfrm>
-            <a:off x="183156" y="1346001"/>
+            <a:off x="183156" y="1502118"/>
             <a:ext cx="8332194" cy="4165998"/>
           </a:xfrm>
         </p:spPr>
@@ -14604,12 +14604,19 @@
         </p:blipFill>
         <p:spPr>
           <a:xfrm>
-            <a:off x="2852781" y="292894"/>
-            <a:ext cx="6108063" cy="1507263"/>
+            <a:off x="3383556" y="378670"/>
+            <a:ext cx="5760444" cy="1421482"/>
           </a:xfrm>
           <a:prstGeom prst="rect">
             <a:avLst/>
           </a:prstGeom>
+          <a:ln>
+            <a:solidFill>
+              <a:schemeClr val="accent1">
+                <a:shade val="15000"/>
+              </a:schemeClr>
+            </a:solidFill>
+          </a:ln>
         </p:spPr>
       </p:pic>
       <p:sp>
@@ -15299,10 +15306,10 @@
       </p:sp>
       <p:pic>
         <p:nvPicPr>
-          <p:cNvPr id="8" name="Picture 7" descr="A table with numbers and text&#10;&#10;Description automatically generated">
+          <p:cNvPr id="4" name="Picture 3" descr="A table of numbers and a number of numbers&#10;&#10;Description automatically generated with medium confidence">
             <a:extLst>
               <a:ext uri="{FF2B5EF4-FFF2-40B4-BE49-F238E27FC236}">
-                <a16:creationId xmlns:a16="http://schemas.microsoft.com/office/drawing/2014/main" id="{514381C7-4492-2B57-D5B1-72D50D431773}"/>
+                <a16:creationId xmlns:a16="http://schemas.microsoft.com/office/drawing/2014/main" id="{3D727DD5-D96D-C4C2-7B22-671173C8D8CC}"/>
               </a:ext>
             </a:extLst>
           </p:cNvPr>
@@ -15318,15 +15325,123 @@
           </a:stretch>
         </p:blipFill>
         <p:spPr>
-          <a:xfrm>
-            <a:off x="1560028" y="1089411"/>
-            <a:ext cx="6023944" cy="5423999"/>
+          <a:xfrm rot="5400000">
+            <a:off x="2694688" y="-1072826"/>
+            <a:ext cx="3648687" cy="8302085"/>
           </a:xfrm>
           <a:prstGeom prst="rect">
             <a:avLst/>
           </a:prstGeom>
         </p:spPr>
       </p:pic>
+      <p:sp>
+        <p:nvSpPr>
+          <p:cNvPr id="5" name="Rectangle 4">
+            <a:extLst>
+              <a:ext uri="{FF2B5EF4-FFF2-40B4-BE49-F238E27FC236}">
+                <a16:creationId xmlns:a16="http://schemas.microsoft.com/office/drawing/2014/main" id="{6719D51F-9B9F-5159-FDCC-22795822DB60}"/>
+              </a:ext>
+            </a:extLst>
+          </p:cNvPr>
+          <p:cNvSpPr/>
+          <p:nvPr/>
+        </p:nvSpPr>
+        <p:spPr>
+          <a:xfrm>
+            <a:off x="7426712" y="4081347"/>
+            <a:ext cx="1243362" cy="453223"/>
+          </a:xfrm>
+          <a:prstGeom prst="rect">
+            <a:avLst/>
+          </a:prstGeom>
+          <a:solidFill>
+            <a:srgbClr val="FFFF00">
+              <a:alpha val="40000"/>
+            </a:srgbClr>
+          </a:solidFill>
+          <a:ln>
+            <a:noFill/>
+          </a:ln>
+        </p:spPr>
+        <p:style>
+          <a:lnRef idx="2">
+            <a:schemeClr val="accent1">
+              <a:shade val="15000"/>
+            </a:schemeClr>
+          </a:lnRef>
+          <a:fillRef idx="1">
+            <a:schemeClr val="accent1"/>
+          </a:fillRef>
+          <a:effectRef idx="0">
+            <a:schemeClr val="accent1"/>
+          </a:effectRef>
+          <a:fontRef idx="minor">
+            <a:schemeClr val="lt1"/>
+          </a:fontRef>
+        </p:style>
+        <p:txBody>
+          <a:bodyPr rtlCol="0" anchor="ctr"/>
+          <a:lstStyle/>
+          <a:p>
+            <a:pPr algn="ctr"/>
+            <a:endParaRPr lang="en-US"/>
+          </a:p>
+        </p:txBody>
+      </p:sp>
+      <p:sp>
+        <p:nvSpPr>
+          <p:cNvPr id="6" name="Rectangle 5">
+            <a:extLst>
+              <a:ext uri="{FF2B5EF4-FFF2-40B4-BE49-F238E27FC236}">
+                <a16:creationId xmlns:a16="http://schemas.microsoft.com/office/drawing/2014/main" id="{B88FC3E5-BE71-7333-F1B0-9892C1732B09}"/>
+              </a:ext>
+            </a:extLst>
+          </p:cNvPr>
+          <p:cNvSpPr/>
+          <p:nvPr/>
+        </p:nvSpPr>
+        <p:spPr>
+          <a:xfrm>
+            <a:off x="1066799" y="2471854"/>
+            <a:ext cx="1243362" cy="453223"/>
+          </a:xfrm>
+          <a:prstGeom prst="rect">
+            <a:avLst/>
+          </a:prstGeom>
+          <a:solidFill>
+            <a:srgbClr val="FFFF00">
+              <a:alpha val="40000"/>
+            </a:srgbClr>
+          </a:solidFill>
+          <a:ln>
+            <a:noFill/>
+          </a:ln>
+        </p:spPr>
+        <p:style>
+          <a:lnRef idx="2">
+            <a:schemeClr val="accent1">
+              <a:shade val="15000"/>
+            </a:schemeClr>
+          </a:lnRef>
+          <a:fillRef idx="1">
+            <a:schemeClr val="accent1"/>
+          </a:fillRef>
+          <a:effectRef idx="0">
+            <a:schemeClr val="accent1"/>
+          </a:effectRef>
+          <a:fontRef idx="minor">
+            <a:schemeClr val="lt1"/>
+          </a:fontRef>
+        </p:style>
+        <p:txBody>
+          <a:bodyPr rtlCol="0" anchor="ctr"/>
+          <a:lstStyle/>
+          <a:p>
+            <a:pPr algn="ctr"/>
+            <a:endParaRPr lang="en-US"/>
+          </a:p>
+        </p:txBody>
+      </p:sp>
     </p:spTree>
     <p:extLst>
       <p:ext uri="{BB962C8B-B14F-4D97-AF65-F5344CB8AC3E}">

--- a/session-5-pyblp/Session 5 - PyBLP.pptx
+++ b/session-5-pyblp/Session 5 - PyBLP.pptx
@@ -12527,8 +12527,8 @@
         </p:nvSpPr>
         <p:spPr>
           <a:xfrm>
-            <a:off x="554324" y="873125"/>
-            <a:ext cx="8768096" cy="4339619"/>
+            <a:off x="457200" y="982191"/>
+            <a:ext cx="8768096" cy="5078283"/>
           </a:xfrm>
           <a:prstGeom prst="rect">
             <a:avLst/>
@@ -12719,7 +12719,7 @@
                   <a:schemeClr val="dk1"/>
                 </a:solidFill>
               </a:rPr>
-              <a:t>knitro</a:t>
+              <a:t>Knitro</a:t>
             </a:r>
             <a:r>
               <a:rPr lang="en-US" sz="1800" dirty="0">
@@ -13210,7 +13210,7 @@
                 <a:cs typeface="Consolas"/>
                 <a:sym typeface="Consolas"/>
               </a:rPr>
-              <a:t>blp_opt.py</a:t>
+              <a:t>blp_optimizer.py</a:t>
             </a:r>
             <a:r>
               <a:rPr lang="en-US" sz="1800" dirty="0">
@@ -13272,7 +13272,7 @@
               </a:rPr>
               <a:t>knitro</a:t>
             </a:r>
-            <a:endParaRPr sz="1800" dirty="0">
+            <a:endParaRPr lang="en-US" sz="1800" dirty="0">
               <a:solidFill>
                 <a:schemeClr val="dk1"/>
               </a:solidFill>
@@ -13284,6 +13284,111 @@
               <a:cs typeface="Consolas"/>
               <a:sym typeface="Consolas"/>
             </a:endParaRPr>
+          </a:p>
+          <a:p>
+            <a:pPr lvl="0" indent="517525" algn="l" rtl="0">
+              <a:spcBef>
+                <a:spcPts val="0"/>
+              </a:spcBef>
+              <a:spcAft>
+                <a:spcPts val="0"/>
+              </a:spcAft>
+              <a:buClr>
+                <a:schemeClr val="dk1"/>
+              </a:buClr>
+              <a:buSzPts val="1100"/>
+              <a:buFont typeface="Arial"/>
+              <a:buNone/>
+            </a:pPr>
+            <a:endParaRPr lang="en-US" sz="1800" dirty="0">
+              <a:solidFill>
+                <a:schemeClr val="dk1"/>
+              </a:solidFill>
+              <a:highlight>
+                <a:srgbClr val="CCCCCC"/>
+              </a:highlight>
+              <a:latin typeface="Consolas"/>
+              <a:ea typeface="Consolas"/>
+              <a:cs typeface="Consolas"/>
+              <a:sym typeface="Consolas"/>
+            </a:endParaRPr>
+          </a:p>
+          <a:p>
+            <a:pPr marL="574675" lvl="0" indent="-57150" algn="l" rtl="0">
+              <a:spcBef>
+                <a:spcPts val="0"/>
+              </a:spcBef>
+              <a:spcAft>
+                <a:spcPts val="0"/>
+              </a:spcAft>
+              <a:buClr>
+                <a:schemeClr val="dk1"/>
+              </a:buClr>
+              <a:buSzPts val="1100"/>
+              <a:buFont typeface="Arial"/>
+              <a:buNone/>
+            </a:pPr>
+            <a:r>
+              <a:rPr lang="en-US" sz="1500" i="1" dirty="0">
+                <a:solidFill>
+                  <a:schemeClr val="dk1"/>
+                </a:solidFill>
+                <a:latin typeface="+mj-lt"/>
+                <a:ea typeface="Consolas"/>
+                <a:cs typeface="Consolas"/>
+                <a:sym typeface="Consolas"/>
+              </a:rPr>
+              <a:t>NUIT </a:t>
+            </a:r>
+            <a:r>
+              <a:rPr lang="en-US" sz="1500" i="1" dirty="0" err="1">
+                <a:solidFill>
+                  <a:schemeClr val="dk1"/>
+                </a:solidFill>
+                <a:latin typeface="+mj-lt"/>
+                <a:ea typeface="Consolas"/>
+                <a:cs typeface="Consolas"/>
+                <a:sym typeface="Consolas"/>
+              </a:rPr>
+              <a:t>Knitro</a:t>
+            </a:r>
+            <a:r>
+              <a:rPr lang="en-US" sz="1500" i="1" dirty="0">
+                <a:solidFill>
+                  <a:schemeClr val="dk1"/>
+                </a:solidFill>
+                <a:latin typeface="+mj-lt"/>
+                <a:ea typeface="Consolas"/>
+                <a:cs typeface="Consolas"/>
+                <a:sym typeface="Consolas"/>
+              </a:rPr>
+              <a:t> guide for Quest here: </a:t>
+            </a:r>
+            <a:r>
+              <a:rPr lang="en-US" sz="1500" i="1" dirty="0">
+                <a:solidFill>
+                  <a:schemeClr val="dk1"/>
+                </a:solidFill>
+                <a:latin typeface="+mj-lt"/>
+                <a:ea typeface="Consolas"/>
+                <a:cs typeface="Consolas"/>
+                <a:sym typeface="Consolas"/>
+                <a:hlinkClick r:id="rId3"/>
+              </a:rPr>
+              <a:t>https://services.northwestern.edu/TDClient/30/Portal/KB/ArticleDet?ID=1696</a:t>
+            </a:r>
+            <a:r>
+              <a:rPr lang="en-US" sz="1500" i="1" dirty="0">
+                <a:solidFill>
+                  <a:schemeClr val="dk1"/>
+                </a:solidFill>
+                <a:latin typeface="+mj-lt"/>
+                <a:ea typeface="Consolas"/>
+                <a:cs typeface="Consolas"/>
+                <a:sym typeface="Consolas"/>
+              </a:rPr>
+              <a:t> </a:t>
+            </a:r>
           </a:p>
         </p:txBody>
       </p:sp>
@@ -13883,7 +13988,15 @@
             </a:r>
             <a:r>
               <a:rPr lang="en-US" sz="2000" dirty="0"/>
-              <a:t>: Analyze competition, mergers, and entry decisions to predict market outcomes.</a:t>
+              <a:t>: Analyze competition, mergers, and entry decisions to predict market outcomes. (See </a:t>
+            </a:r>
+            <a:r>
+              <a:rPr lang="en-US" sz="2000" dirty="0" err="1"/>
+              <a:t>Nevo</a:t>
+            </a:r>
+            <a:r>
+              <a:rPr lang="en-US" sz="2000" dirty="0"/>
+              <a:t>, 2001a/2001b)</a:t>
             </a:r>
           </a:p>
           <a:p>
@@ -13896,7 +14009,7 @@
             </a:r>
             <a:r>
               <a:rPr lang="en-US" sz="2000" dirty="0"/>
-              <a:t>Assess policy impact on prices, consumer welfare, and industry performance.</a:t>
+              <a:t>Assess policy impact on prices, consumer welfare, and industry performance. (See Bayer et al. 2007, Neilson 2017 for school choice examples)</a:t>
             </a:r>
           </a:p>
           <a:p>
@@ -13909,7 +14022,15 @@
             </a:r>
             <a:r>
               <a:rPr lang="en-US" sz="2000" dirty="0"/>
-              <a:t>: Predict market share for new products, aiding launch strategies.</a:t>
+              <a:t>: Predict market share for new products, aiding launch strategies. (see </a:t>
+            </a:r>
+            <a:r>
+              <a:rPr lang="en-US" sz="2000" dirty="0" err="1"/>
+              <a:t>Petrin</a:t>
+            </a:r>
+            <a:r>
+              <a:rPr lang="en-US" sz="2000" dirty="0"/>
+              <a:t>, 2002)</a:t>
             </a:r>
           </a:p>
           <a:p>
@@ -13929,14 +14050,10 @@
             <a:endParaRPr lang="en-US" sz="1000" dirty="0"/>
           </a:p>
           <a:p>
-            <a:r>
-              <a:rPr lang="en-US" sz="2000" b="1" dirty="0"/>
-              <a:t>Industrial Research: </a:t>
-            </a:r>
-            <a:r>
-              <a:rPr lang="en-US" sz="2000" dirty="0"/>
-              <a:t>Study market power, price discrimination, and entry barriers.</a:t>
-            </a:r>
+            <a:pPr marL="114300" indent="0">
+              <a:buNone/>
+            </a:pPr>
+            <a:endParaRPr lang="en-US" sz="2000" dirty="0"/>
           </a:p>
           <a:p>
             <a:endParaRPr lang="en-US" sz="2000" dirty="0"/>
@@ -14378,7 +14495,7 @@
             </a:r>
             <a:r>
               <a:rPr lang="en-US" sz="2000" dirty="0"/>
-              <a:t>Data prep, estimation, equilibrium in an integrated package.</a:t>
+              <a:t>Data prep, estimation, equilibrium in one integrated, expandable, open-source package</a:t>
             </a:r>
           </a:p>
           <a:p>
@@ -14404,42 +14521,6 @@
           </a:p>
           <a:p>
             <a:endParaRPr lang="en-US" sz="1000" dirty="0"/>
-          </a:p>
-          <a:p>
-            <a:r>
-              <a:rPr lang="en-US" sz="2000" b="1" dirty="0"/>
-              <a:t>Informed Decision-Making</a:t>
-            </a:r>
-            <a:r>
-              <a:rPr lang="en-US" sz="2000" dirty="0"/>
-              <a:t>: Scenario evaluation for insightful policy decisions.</a:t>
-            </a:r>
-          </a:p>
-          <a:p>
-            <a:endParaRPr lang="en-US" sz="1000" dirty="0"/>
-          </a:p>
-          <a:p>
-            <a:r>
-              <a:rPr lang="en-US" sz="2000" b="1" dirty="0"/>
-              <a:t>Real-World Applicability: </a:t>
-            </a:r>
-            <a:r>
-              <a:rPr lang="en-US" sz="2000" dirty="0"/>
-              <a:t>Tailored to consumer goods, automotive, finance, and more.</a:t>
-            </a:r>
-          </a:p>
-          <a:p>
-            <a:endParaRPr lang="en-US" sz="1000" dirty="0"/>
-          </a:p>
-          <a:p>
-            <a:r>
-              <a:rPr lang="en-US" sz="2000" b="1" dirty="0"/>
-              <a:t>Interdisciplinary Integration: </a:t>
-            </a:r>
-            <a:r>
-              <a:rPr lang="en-US" sz="2000" dirty="0"/>
-              <a:t>Merge economics, data science, business insights seamlessly.</a:t>
-            </a:r>
           </a:p>
           <a:p>
             <a:endParaRPr lang="en-US" dirty="0"/>
@@ -14564,7 +14645,7 @@
             <a:pPr lvl="1"/>
             <a:r>
               <a:rPr lang="en-US" sz="2000" dirty="0"/>
-              <a:t>Allow computation of counterfactuals for policy analysis (mergers, regulation,…)</a:t>
+              <a:t>Allow computation of counterfactuals for policy analysis (mergers, tariffs, regulation,…)</a:t>
             </a:r>
           </a:p>
           <a:p>
@@ -14731,7 +14812,7 @@
           <a:lstStyle/>
           <a:p>
             <a:r>
-              <a:rPr lang="en-US" b="1" dirty="0">
+              <a:rPr lang="en-US" dirty="0">
                 <a:latin typeface="+mj-lt"/>
               </a:rPr>
               <a:t>Why use a BLP Framework?</a:t>
@@ -14740,7 +14821,7 @@
           <a:p>
             <a:pPr lvl="1"/>
             <a:r>
-              <a:rPr lang="en-US" b="1" dirty="0">
+              <a:rPr lang="en-US" dirty="0">
                 <a:latin typeface="+mj-lt"/>
               </a:rPr>
               <a:t>What does it solve?</a:t>
@@ -14749,7 +14830,7 @@
           <a:p>
             <a:pPr lvl="1"/>
             <a:r>
-              <a:rPr lang="en-US" b="1" dirty="0">
+              <a:rPr lang="en-US" dirty="0">
                 <a:latin typeface="+mj-lt"/>
               </a:rPr>
               <a:t>What are the limitations?</a:t>
@@ -14757,19 +14838,19 @@
           </a:p>
           <a:p>
             <a:pPr lvl="1"/>
-            <a:endParaRPr lang="en-US" b="1" dirty="0">
+            <a:endParaRPr lang="en-US" dirty="0">
               <a:latin typeface="+mj-lt"/>
             </a:endParaRPr>
           </a:p>
           <a:p>
             <a:r>
-              <a:rPr lang="en-US" b="1" dirty="0" err="1">
+              <a:rPr lang="en-US" dirty="0" err="1">
                 <a:latin typeface="+mj-lt"/>
               </a:rPr>
               <a:t>PyBLP</a:t>
             </a:r>
             <a:r>
-              <a:rPr lang="en-US" b="1" dirty="0">
+              <a:rPr lang="en-US" dirty="0">
                 <a:latin typeface="+mj-lt"/>
               </a:rPr>
               <a:t> to the Rescue</a:t>
@@ -14778,7 +14859,7 @@
           <a:p>
             <a:pPr lvl="1"/>
             <a:r>
-              <a:rPr lang="en-US" b="1" dirty="0">
+              <a:rPr lang="en-US" dirty="0">
                 <a:latin typeface="+mj-lt"/>
               </a:rPr>
               <a:t>Tutorials</a:t>
@@ -14786,25 +14867,25 @@
           </a:p>
           <a:p>
             <a:pPr lvl="1"/>
-            <a:endParaRPr lang="en-US" b="1" dirty="0">
+            <a:endParaRPr lang="en-US" dirty="0">
               <a:latin typeface="+mj-lt"/>
             </a:endParaRPr>
           </a:p>
           <a:p>
             <a:r>
-              <a:rPr lang="en-US" b="1" dirty="0">
+              <a:rPr lang="en-US" dirty="0">
                 <a:latin typeface="+mj-lt"/>
               </a:rPr>
               <a:t>Using </a:t>
             </a:r>
             <a:r>
-              <a:rPr lang="en-US" b="1" dirty="0" err="1">
+              <a:rPr lang="en-US" dirty="0" err="1">
                 <a:latin typeface="+mj-lt"/>
               </a:rPr>
               <a:t>PyBLP</a:t>
             </a:r>
             <a:r>
-              <a:rPr lang="en-US" b="1" dirty="0">
+              <a:rPr lang="en-US" dirty="0">
                 <a:latin typeface="+mj-lt"/>
               </a:rPr>
               <a:t> on KLC</a:t>
@@ -14813,7 +14894,7 @@
           <a:p>
             <a:pPr lvl="1"/>
             <a:r>
-              <a:rPr lang="en-US" b="1" dirty="0">
+              <a:rPr lang="en-US" dirty="0">
                 <a:latin typeface="+mj-lt"/>
               </a:rPr>
               <a:t>Running Tutorials</a:t>
@@ -14822,19 +14903,19 @@
           <a:p>
             <a:pPr lvl="1"/>
             <a:r>
-              <a:rPr lang="en-US" b="1" dirty="0">
+              <a:rPr lang="en-US" dirty="0">
                 <a:latin typeface="+mj-lt"/>
               </a:rPr>
               <a:t>Using </a:t>
             </a:r>
             <a:r>
-              <a:rPr lang="en-US" b="1" dirty="0" err="1">
+              <a:rPr lang="en-US" dirty="0" err="1">
                 <a:latin typeface="+mj-lt"/>
               </a:rPr>
               <a:t>Knitro</a:t>
             </a:r>
             <a:r>
-              <a:rPr lang="en-US" b="1" dirty="0">
+              <a:rPr lang="en-US" dirty="0">
                 <a:latin typeface="+mj-lt"/>
               </a:rPr>
               <a:t> as an Optimization Routine</a:t>
@@ -15043,7 +15124,7 @@
         </p:nvSpPr>
         <p:spPr>
           <a:xfrm>
-            <a:off x="628650" y="292894"/>
+            <a:off x="321575" y="235757"/>
             <a:ext cx="7886700" cy="796517"/>
           </a:xfrm>
         </p:spPr>
